--- a/imagej lag sim figure/lag sim recon.pptx
+++ b/imagej lag sim figure/lag sim recon.pptx
@@ -243,7 +243,7 @@
           <a:p>
             <a:fld id="{D4DB1356-5F01-43EB-828D-BA428F19442C}" type="datetimeFigureOut">
               <a:rPr lang="en-GB" smtClean="0"/>
-              <a:t>10/12/2018</a:t>
+              <a:t>19/12/2018</a:t>
             </a:fld>
             <a:endParaRPr lang="en-GB"/>
           </a:p>
@@ -413,7 +413,7 @@
           <a:p>
             <a:fld id="{D4DB1356-5F01-43EB-828D-BA428F19442C}" type="datetimeFigureOut">
               <a:rPr lang="en-GB" smtClean="0"/>
-              <a:t>10/12/2018</a:t>
+              <a:t>19/12/2018</a:t>
             </a:fld>
             <a:endParaRPr lang="en-GB"/>
           </a:p>
@@ -593,7 +593,7 @@
           <a:p>
             <a:fld id="{D4DB1356-5F01-43EB-828D-BA428F19442C}" type="datetimeFigureOut">
               <a:rPr lang="en-GB" smtClean="0"/>
-              <a:t>10/12/2018</a:t>
+              <a:t>19/12/2018</a:t>
             </a:fld>
             <a:endParaRPr lang="en-GB"/>
           </a:p>
@@ -763,7 +763,7 @@
           <a:p>
             <a:fld id="{D4DB1356-5F01-43EB-828D-BA428F19442C}" type="datetimeFigureOut">
               <a:rPr lang="en-GB" smtClean="0"/>
-              <a:t>10/12/2018</a:t>
+              <a:t>19/12/2018</a:t>
             </a:fld>
             <a:endParaRPr lang="en-GB"/>
           </a:p>
@@ -1007,7 +1007,7 @@
           <a:p>
             <a:fld id="{D4DB1356-5F01-43EB-828D-BA428F19442C}" type="datetimeFigureOut">
               <a:rPr lang="en-GB" smtClean="0"/>
-              <a:t>10/12/2018</a:t>
+              <a:t>19/12/2018</a:t>
             </a:fld>
             <a:endParaRPr lang="en-GB"/>
           </a:p>
@@ -1239,7 +1239,7 @@
           <a:p>
             <a:fld id="{D4DB1356-5F01-43EB-828D-BA428F19442C}" type="datetimeFigureOut">
               <a:rPr lang="en-GB" smtClean="0"/>
-              <a:t>10/12/2018</a:t>
+              <a:t>19/12/2018</a:t>
             </a:fld>
             <a:endParaRPr lang="en-GB"/>
           </a:p>
@@ -1606,7 +1606,7 @@
           <a:p>
             <a:fld id="{D4DB1356-5F01-43EB-828D-BA428F19442C}" type="datetimeFigureOut">
               <a:rPr lang="en-GB" smtClean="0"/>
-              <a:t>10/12/2018</a:t>
+              <a:t>19/12/2018</a:t>
             </a:fld>
             <a:endParaRPr lang="en-GB"/>
           </a:p>
@@ -1724,7 +1724,7 @@
           <a:p>
             <a:fld id="{D4DB1356-5F01-43EB-828D-BA428F19442C}" type="datetimeFigureOut">
               <a:rPr lang="en-GB" smtClean="0"/>
-              <a:t>10/12/2018</a:t>
+              <a:t>19/12/2018</a:t>
             </a:fld>
             <a:endParaRPr lang="en-GB"/>
           </a:p>
@@ -1819,7 +1819,7 @@
           <a:p>
             <a:fld id="{D4DB1356-5F01-43EB-828D-BA428F19442C}" type="datetimeFigureOut">
               <a:rPr lang="en-GB" smtClean="0"/>
-              <a:t>10/12/2018</a:t>
+              <a:t>19/12/2018</a:t>
             </a:fld>
             <a:endParaRPr lang="en-GB"/>
           </a:p>
@@ -2096,7 +2096,7 @@
           <a:p>
             <a:fld id="{D4DB1356-5F01-43EB-828D-BA428F19442C}" type="datetimeFigureOut">
               <a:rPr lang="en-GB" smtClean="0"/>
-              <a:t>10/12/2018</a:t>
+              <a:t>19/12/2018</a:t>
             </a:fld>
             <a:endParaRPr lang="en-GB"/>
           </a:p>
@@ -2353,7 +2353,7 @@
           <a:p>
             <a:fld id="{D4DB1356-5F01-43EB-828D-BA428F19442C}" type="datetimeFigureOut">
               <a:rPr lang="en-GB" smtClean="0"/>
-              <a:t>10/12/2018</a:t>
+              <a:t>19/12/2018</a:t>
             </a:fld>
             <a:endParaRPr lang="en-GB"/>
           </a:p>
@@ -2566,7 +2566,7 @@
           <a:p>
             <a:fld id="{D4DB1356-5F01-43EB-828D-BA428F19442C}" type="datetimeFigureOut">
               <a:rPr lang="en-GB" smtClean="0"/>
-              <a:t>10/12/2018</a:t>
+              <a:t>19/12/2018</a:t>
             </a:fld>
             <a:endParaRPr lang="en-GB"/>
           </a:p>
@@ -2993,8 +2993,8 @@
         </p:blipFill>
         <p:spPr>
           <a:xfrm>
-            <a:off x="2963264" y="-15499"/>
-            <a:ext cx="3878983" cy="5661663"/>
+            <a:off x="3087249" y="-15499"/>
+            <a:ext cx="3987728" cy="5820384"/>
           </a:xfrm>
           <a:prstGeom prst="rect">
             <a:avLst/>
@@ -3015,7 +3015,7 @@
         </p:nvSpPr>
         <p:spPr>
           <a:xfrm>
-            <a:off x="2145067" y="2129151"/>
+            <a:off x="2269052" y="2129151"/>
             <a:ext cx="383438" cy="307777"/>
           </a:xfrm>
           <a:prstGeom prst="rect">
@@ -3053,7 +3053,7 @@
         </p:nvSpPr>
         <p:spPr>
           <a:xfrm>
-            <a:off x="1232385" y="5646164"/>
+            <a:off x="1356370" y="5801144"/>
             <a:ext cx="393056" cy="307777"/>
           </a:xfrm>
           <a:prstGeom prst="rect">
@@ -3091,7 +3091,7 @@
         </p:nvSpPr>
         <p:spPr>
           <a:xfrm>
-            <a:off x="4711036" y="5646164"/>
+            <a:off x="4835021" y="5801144"/>
             <a:ext cx="383438" cy="307777"/>
           </a:xfrm>
           <a:prstGeom prst="rect">
@@ -3129,16 +3129,15 @@
           </p:cNvPicPr>
           <p:nvPr/>
         </p:nvPicPr>
-        <p:blipFill>
+        <p:blipFill rotWithShape="1">
           <a:blip r:embed="rId3"/>
-          <a:stretch>
-            <a:fillRect/>
-          </a:stretch>
+          <a:srcRect l="9444"/>
+          <a:stretch/>
         </p:blipFill>
         <p:spPr>
           <a:xfrm>
-            <a:off x="-229421" y="0"/>
-            <a:ext cx="2429346" cy="2585518"/>
+            <a:off x="123984" y="0"/>
+            <a:ext cx="2199925" cy="2585518"/>
           </a:xfrm>
           <a:prstGeom prst="rect">
             <a:avLst/>
@@ -3167,7 +3166,7 @@
         </p:blipFill>
         <p:spPr>
           <a:xfrm>
-            <a:off x="12201" y="2585518"/>
+            <a:off x="123984" y="2751094"/>
             <a:ext cx="2833425" cy="3050050"/>
           </a:xfrm>
           <a:prstGeom prst="rect">

--- a/imagej lag sim figure/lag sim recon.pptx
+++ b/imagej lag sim figure/lag sim recon.pptx
@@ -2,12 +2,12 @@
 <file path=ppt/presentation.xml><?xml version="1.0" encoding="utf-8"?>
 <p:presentation xmlns:a="http://schemas.openxmlformats.org/drawingml/2006/main" xmlns:r="http://schemas.openxmlformats.org/officeDocument/2006/relationships" xmlns:p="http://schemas.openxmlformats.org/presentationml/2006/main" saveSubsetFonts="1">
   <p:sldMasterIdLst>
-    <p:sldMasterId id="2147483708" r:id="rId1"/>
+    <p:sldMasterId id="2147483744" r:id="rId1"/>
   </p:sldMasterIdLst>
   <p:sldIdLst>
     <p:sldId id="256" r:id="rId2"/>
   </p:sldIdLst>
-  <p:sldSz cx="7199313" cy="6119813"/>
+  <p:sldSz cx="7199313" cy="8820150"/>
   <p:notesSz cx="6858000" cy="9144000"/>
   <p:defaultTextStyle>
     <a:defPPr>
@@ -141,8 +141,8 @@
         </p:nvSpPr>
         <p:spPr>
           <a:xfrm>
-            <a:off x="539949" y="1001553"/>
-            <a:ext cx="6119416" cy="2130602"/>
+            <a:off x="539949" y="1443483"/>
+            <a:ext cx="6119416" cy="3070719"/>
           </a:xfrm>
         </p:spPr>
         <p:txBody>
@@ -173,8 +173,8 @@
         </p:nvSpPr>
         <p:spPr>
           <a:xfrm>
-            <a:off x="899914" y="3214319"/>
-            <a:ext cx="5399485" cy="1477538"/>
+            <a:off x="899914" y="4632621"/>
+            <a:ext cx="5399485" cy="2129494"/>
           </a:xfrm>
         </p:spPr>
         <p:txBody>
@@ -243,7 +243,7 @@
           <a:p>
             <a:fld id="{D4DB1356-5F01-43EB-828D-BA428F19442C}" type="datetimeFigureOut">
               <a:rPr lang="en-GB" smtClean="0"/>
-              <a:t>19/12/2018</a:t>
+              <a:t>12/06/2019</a:t>
             </a:fld>
             <a:endParaRPr lang="en-GB"/>
           </a:p>
@@ -294,7 +294,7 @@
     </p:spTree>
     <p:extLst>
       <p:ext uri="{BB962C8B-B14F-4D97-AF65-F5344CB8AC3E}">
-        <p14:creationId xmlns:p14="http://schemas.microsoft.com/office/powerpoint/2010/main" val="2365113795"/>
+        <p14:creationId xmlns:p14="http://schemas.microsoft.com/office/powerpoint/2010/main" val="716127785"/>
       </p:ext>
     </p:extLst>
   </p:cSld>
@@ -362,7 +362,7 @@
             <a:pPr lvl="0"/>
             <a:r>
               <a:rPr lang="en-US"/>
-              <a:t>Edit Master text styles</a:t>
+              <a:t>Click to edit Master text styles</a:t>
             </a:r>
           </a:p>
           <a:p>
@@ -413,7 +413,7 @@
           <a:p>
             <a:fld id="{D4DB1356-5F01-43EB-828D-BA428F19442C}" type="datetimeFigureOut">
               <a:rPr lang="en-GB" smtClean="0"/>
-              <a:t>19/12/2018</a:t>
+              <a:t>12/06/2019</a:t>
             </a:fld>
             <a:endParaRPr lang="en-GB"/>
           </a:p>
@@ -464,7 +464,7 @@
     </p:spTree>
     <p:extLst>
       <p:ext uri="{BB962C8B-B14F-4D97-AF65-F5344CB8AC3E}">
-        <p14:creationId xmlns:p14="http://schemas.microsoft.com/office/powerpoint/2010/main" val="2297979359"/>
+        <p14:creationId xmlns:p14="http://schemas.microsoft.com/office/powerpoint/2010/main" val="226409773"/>
       </p:ext>
     </p:extLst>
   </p:cSld>
@@ -503,8 +503,8 @@
         </p:nvSpPr>
         <p:spPr>
           <a:xfrm>
-            <a:off x="5152009" y="325823"/>
-            <a:ext cx="1552352" cy="5186259"/>
+            <a:off x="5152009" y="469592"/>
+            <a:ext cx="1552352" cy="7474669"/>
           </a:xfrm>
         </p:spPr>
         <p:txBody>
@@ -531,8 +531,8 @@
         </p:nvSpPr>
         <p:spPr>
           <a:xfrm>
-            <a:off x="494953" y="325823"/>
-            <a:ext cx="4567064" cy="5186259"/>
+            <a:off x="494953" y="469592"/>
+            <a:ext cx="4567064" cy="7474669"/>
           </a:xfrm>
         </p:spPr>
         <p:txBody>
@@ -542,7 +542,7 @@
             <a:pPr lvl="0"/>
             <a:r>
               <a:rPr lang="en-US"/>
-              <a:t>Edit Master text styles</a:t>
+              <a:t>Click to edit Master text styles</a:t>
             </a:r>
           </a:p>
           <a:p>
@@ -593,7 +593,7 @@
           <a:p>
             <a:fld id="{D4DB1356-5F01-43EB-828D-BA428F19442C}" type="datetimeFigureOut">
               <a:rPr lang="en-GB" smtClean="0"/>
-              <a:t>19/12/2018</a:t>
+              <a:t>12/06/2019</a:t>
             </a:fld>
             <a:endParaRPr lang="en-GB"/>
           </a:p>
@@ -644,7 +644,7 @@
     </p:spTree>
     <p:extLst>
       <p:ext uri="{BB962C8B-B14F-4D97-AF65-F5344CB8AC3E}">
-        <p14:creationId xmlns:p14="http://schemas.microsoft.com/office/powerpoint/2010/main" val="1981397682"/>
+        <p14:creationId xmlns:p14="http://schemas.microsoft.com/office/powerpoint/2010/main" val="3052684091"/>
       </p:ext>
     </p:extLst>
   </p:cSld>
@@ -712,7 +712,7 @@
             <a:pPr lvl="0"/>
             <a:r>
               <a:rPr lang="en-US"/>
-              <a:t>Edit Master text styles</a:t>
+              <a:t>Click to edit Master text styles</a:t>
             </a:r>
           </a:p>
           <a:p>
@@ -763,7 +763,7 @@
           <a:p>
             <a:fld id="{D4DB1356-5F01-43EB-828D-BA428F19442C}" type="datetimeFigureOut">
               <a:rPr lang="en-GB" smtClean="0"/>
-              <a:t>19/12/2018</a:t>
+              <a:t>12/06/2019</a:t>
             </a:fld>
             <a:endParaRPr lang="en-GB"/>
           </a:p>
@@ -814,7 +814,7 @@
     </p:spTree>
     <p:extLst>
       <p:ext uri="{BB962C8B-B14F-4D97-AF65-F5344CB8AC3E}">
-        <p14:creationId xmlns:p14="http://schemas.microsoft.com/office/powerpoint/2010/main" val="1122945833"/>
+        <p14:creationId xmlns:p14="http://schemas.microsoft.com/office/powerpoint/2010/main" val="219364851"/>
       </p:ext>
     </p:extLst>
   </p:cSld>
@@ -853,8 +853,8 @@
         </p:nvSpPr>
         <p:spPr>
           <a:xfrm>
-            <a:off x="491204" y="1525705"/>
-            <a:ext cx="6209407" cy="2545672"/>
+            <a:off x="491204" y="2198915"/>
+            <a:ext cx="6209407" cy="3668937"/>
           </a:xfrm>
         </p:spPr>
         <p:txBody>
@@ -885,8 +885,8 @@
         </p:nvSpPr>
         <p:spPr>
           <a:xfrm>
-            <a:off x="491204" y="4095460"/>
-            <a:ext cx="6209407" cy="1338709"/>
+            <a:off x="491204" y="5902561"/>
+            <a:ext cx="6209407" cy="1929407"/>
           </a:xfrm>
         </p:spPr>
         <p:txBody>
@@ -985,7 +985,7 @@
             <a:pPr lvl="0"/>
             <a:r>
               <a:rPr lang="en-US"/>
-              <a:t>Edit Master text styles</a:t>
+              <a:t>Click to edit Master text styles</a:t>
             </a:r>
           </a:p>
         </p:txBody>
@@ -1007,7 +1007,7 @@
           <a:p>
             <a:fld id="{D4DB1356-5F01-43EB-828D-BA428F19442C}" type="datetimeFigureOut">
               <a:rPr lang="en-GB" smtClean="0"/>
-              <a:t>19/12/2018</a:t>
+              <a:t>12/06/2019</a:t>
             </a:fld>
             <a:endParaRPr lang="en-GB"/>
           </a:p>
@@ -1058,7 +1058,7 @@
     </p:spTree>
     <p:extLst>
       <p:ext uri="{BB962C8B-B14F-4D97-AF65-F5344CB8AC3E}">
-        <p14:creationId xmlns:p14="http://schemas.microsoft.com/office/powerpoint/2010/main" val="3617100549"/>
+        <p14:creationId xmlns:p14="http://schemas.microsoft.com/office/powerpoint/2010/main" val="966819564"/>
       </p:ext>
     </p:extLst>
   </p:cSld>
@@ -1120,8 +1120,8 @@
         </p:nvSpPr>
         <p:spPr>
           <a:xfrm>
-            <a:off x="494953" y="1629117"/>
-            <a:ext cx="3059708" cy="3882965"/>
+            <a:off x="494953" y="2347957"/>
+            <a:ext cx="3059708" cy="5596304"/>
           </a:xfrm>
         </p:spPr>
         <p:txBody>
@@ -1131,7 +1131,7 @@
             <a:pPr lvl="0"/>
             <a:r>
               <a:rPr lang="en-US"/>
-              <a:t>Edit Master text styles</a:t>
+              <a:t>Click to edit Master text styles</a:t>
             </a:r>
           </a:p>
           <a:p>
@@ -1177,8 +1177,8 @@
         </p:nvSpPr>
         <p:spPr>
           <a:xfrm>
-            <a:off x="3644652" y="1629117"/>
-            <a:ext cx="3059708" cy="3882965"/>
+            <a:off x="3644652" y="2347957"/>
+            <a:ext cx="3059708" cy="5596304"/>
           </a:xfrm>
         </p:spPr>
         <p:txBody>
@@ -1188,7 +1188,7 @@
             <a:pPr lvl="0"/>
             <a:r>
               <a:rPr lang="en-US"/>
-              <a:t>Edit Master text styles</a:t>
+              <a:t>Click to edit Master text styles</a:t>
             </a:r>
           </a:p>
           <a:p>
@@ -1239,7 +1239,7 @@
           <a:p>
             <a:fld id="{D4DB1356-5F01-43EB-828D-BA428F19442C}" type="datetimeFigureOut">
               <a:rPr lang="en-GB" smtClean="0"/>
-              <a:t>19/12/2018</a:t>
+              <a:t>12/06/2019</a:t>
             </a:fld>
             <a:endParaRPr lang="en-GB"/>
           </a:p>
@@ -1290,7 +1290,7 @@
     </p:spTree>
     <p:extLst>
       <p:ext uri="{BB962C8B-B14F-4D97-AF65-F5344CB8AC3E}">
-        <p14:creationId xmlns:p14="http://schemas.microsoft.com/office/powerpoint/2010/main" val="533538555"/>
+        <p14:creationId xmlns:p14="http://schemas.microsoft.com/office/powerpoint/2010/main" val="3613250889"/>
       </p:ext>
     </p:extLst>
   </p:cSld>
@@ -1329,8 +1329,8 @@
         </p:nvSpPr>
         <p:spPr>
           <a:xfrm>
-            <a:off x="495891" y="325825"/>
-            <a:ext cx="6209407" cy="1182881"/>
+            <a:off x="495891" y="469593"/>
+            <a:ext cx="6209407" cy="1704821"/>
           </a:xfrm>
         </p:spPr>
         <p:txBody>
@@ -1357,8 +1357,8 @@
         </p:nvSpPr>
         <p:spPr>
           <a:xfrm>
-            <a:off x="495891" y="1500205"/>
-            <a:ext cx="3045646" cy="735227"/>
+            <a:off x="495891" y="2162163"/>
+            <a:ext cx="3045646" cy="1059642"/>
           </a:xfrm>
         </p:spPr>
         <p:txBody>
@@ -1405,7 +1405,7 @@
             <a:pPr lvl="0"/>
             <a:r>
               <a:rPr lang="en-US"/>
-              <a:t>Edit Master text styles</a:t>
+              <a:t>Click to edit Master text styles</a:t>
             </a:r>
           </a:p>
         </p:txBody>
@@ -1422,8 +1422,8 @@
         </p:nvSpPr>
         <p:spPr>
           <a:xfrm>
-            <a:off x="495891" y="2235432"/>
-            <a:ext cx="3045646" cy="3287983"/>
+            <a:off x="495891" y="3221805"/>
+            <a:ext cx="3045646" cy="4738790"/>
           </a:xfrm>
         </p:spPr>
         <p:txBody>
@@ -1433,7 +1433,7 @@
             <a:pPr lvl="0"/>
             <a:r>
               <a:rPr lang="en-US"/>
-              <a:t>Edit Master text styles</a:t>
+              <a:t>Click to edit Master text styles</a:t>
             </a:r>
           </a:p>
           <a:p>
@@ -1479,8 +1479,8 @@
         </p:nvSpPr>
         <p:spPr>
           <a:xfrm>
-            <a:off x="3644652" y="1500205"/>
-            <a:ext cx="3060646" cy="735227"/>
+            <a:off x="3644652" y="2162163"/>
+            <a:ext cx="3060646" cy="1059642"/>
           </a:xfrm>
         </p:spPr>
         <p:txBody>
@@ -1527,7 +1527,7 @@
             <a:pPr lvl="0"/>
             <a:r>
               <a:rPr lang="en-US"/>
-              <a:t>Edit Master text styles</a:t>
+              <a:t>Click to edit Master text styles</a:t>
             </a:r>
           </a:p>
         </p:txBody>
@@ -1544,8 +1544,8 @@
         </p:nvSpPr>
         <p:spPr>
           <a:xfrm>
-            <a:off x="3644652" y="2235432"/>
-            <a:ext cx="3060646" cy="3287983"/>
+            <a:off x="3644652" y="3221805"/>
+            <a:ext cx="3060646" cy="4738790"/>
           </a:xfrm>
         </p:spPr>
         <p:txBody>
@@ -1555,7 +1555,7 @@
             <a:pPr lvl="0"/>
             <a:r>
               <a:rPr lang="en-US"/>
-              <a:t>Edit Master text styles</a:t>
+              <a:t>Click to edit Master text styles</a:t>
             </a:r>
           </a:p>
           <a:p>
@@ -1606,7 +1606,7 @@
           <a:p>
             <a:fld id="{D4DB1356-5F01-43EB-828D-BA428F19442C}" type="datetimeFigureOut">
               <a:rPr lang="en-GB" smtClean="0"/>
-              <a:t>19/12/2018</a:t>
+              <a:t>12/06/2019</a:t>
             </a:fld>
             <a:endParaRPr lang="en-GB"/>
           </a:p>
@@ -1657,7 +1657,7 @@
     </p:spTree>
     <p:extLst>
       <p:ext uri="{BB962C8B-B14F-4D97-AF65-F5344CB8AC3E}">
-        <p14:creationId xmlns:p14="http://schemas.microsoft.com/office/powerpoint/2010/main" val="3980151849"/>
+        <p14:creationId xmlns:p14="http://schemas.microsoft.com/office/powerpoint/2010/main" val="1067943482"/>
       </p:ext>
     </p:extLst>
   </p:cSld>
@@ -1724,7 +1724,7 @@
           <a:p>
             <a:fld id="{D4DB1356-5F01-43EB-828D-BA428F19442C}" type="datetimeFigureOut">
               <a:rPr lang="en-GB" smtClean="0"/>
-              <a:t>19/12/2018</a:t>
+              <a:t>12/06/2019</a:t>
             </a:fld>
             <a:endParaRPr lang="en-GB"/>
           </a:p>
@@ -1775,7 +1775,7 @@
     </p:spTree>
     <p:extLst>
       <p:ext uri="{BB962C8B-B14F-4D97-AF65-F5344CB8AC3E}">
-        <p14:creationId xmlns:p14="http://schemas.microsoft.com/office/powerpoint/2010/main" val="1058744431"/>
+        <p14:creationId xmlns:p14="http://schemas.microsoft.com/office/powerpoint/2010/main" val="301091040"/>
       </p:ext>
     </p:extLst>
   </p:cSld>
@@ -1819,7 +1819,7 @@
           <a:p>
             <a:fld id="{D4DB1356-5F01-43EB-828D-BA428F19442C}" type="datetimeFigureOut">
               <a:rPr lang="en-GB" smtClean="0"/>
-              <a:t>19/12/2018</a:t>
+              <a:t>12/06/2019</a:t>
             </a:fld>
             <a:endParaRPr lang="en-GB"/>
           </a:p>
@@ -1870,7 +1870,7 @@
     </p:spTree>
     <p:extLst>
       <p:ext uri="{BB962C8B-B14F-4D97-AF65-F5344CB8AC3E}">
-        <p14:creationId xmlns:p14="http://schemas.microsoft.com/office/powerpoint/2010/main" val="494854039"/>
+        <p14:creationId xmlns:p14="http://schemas.microsoft.com/office/powerpoint/2010/main" val="465126476"/>
       </p:ext>
     </p:extLst>
   </p:cSld>
@@ -1909,8 +1909,8 @@
         </p:nvSpPr>
         <p:spPr>
           <a:xfrm>
-            <a:off x="495890" y="407988"/>
-            <a:ext cx="2321966" cy="1427956"/>
+            <a:off x="495890" y="588010"/>
+            <a:ext cx="2321966" cy="2058035"/>
           </a:xfrm>
         </p:spPr>
         <p:txBody>
@@ -1941,8 +1941,8 @@
         </p:nvSpPr>
         <p:spPr>
           <a:xfrm>
-            <a:off x="3060646" y="881141"/>
-            <a:ext cx="3644652" cy="4349034"/>
+            <a:off x="3060646" y="1269940"/>
+            <a:ext cx="3644652" cy="6268023"/>
           </a:xfrm>
         </p:spPr>
         <p:txBody>
@@ -1980,7 +1980,7 @@
             <a:pPr lvl="0"/>
             <a:r>
               <a:rPr lang="en-US"/>
-              <a:t>Edit Master text styles</a:t>
+              <a:t>Click to edit Master text styles</a:t>
             </a:r>
           </a:p>
           <a:p>
@@ -2026,8 +2026,8 @@
         </p:nvSpPr>
         <p:spPr>
           <a:xfrm>
-            <a:off x="495890" y="1835944"/>
-            <a:ext cx="2321966" cy="3401313"/>
+            <a:off x="495890" y="2646045"/>
+            <a:ext cx="2321966" cy="4902126"/>
           </a:xfrm>
         </p:spPr>
         <p:txBody>
@@ -2074,7 +2074,7 @@
             <a:pPr lvl="0"/>
             <a:r>
               <a:rPr lang="en-US"/>
-              <a:t>Edit Master text styles</a:t>
+              <a:t>Click to edit Master text styles</a:t>
             </a:r>
           </a:p>
         </p:txBody>
@@ -2096,7 +2096,7 @@
           <a:p>
             <a:fld id="{D4DB1356-5F01-43EB-828D-BA428F19442C}" type="datetimeFigureOut">
               <a:rPr lang="en-GB" smtClean="0"/>
-              <a:t>19/12/2018</a:t>
+              <a:t>12/06/2019</a:t>
             </a:fld>
             <a:endParaRPr lang="en-GB"/>
           </a:p>
@@ -2147,7 +2147,7 @@
     </p:spTree>
     <p:extLst>
       <p:ext uri="{BB962C8B-B14F-4D97-AF65-F5344CB8AC3E}">
-        <p14:creationId xmlns:p14="http://schemas.microsoft.com/office/powerpoint/2010/main" val="3390946614"/>
+        <p14:creationId xmlns:p14="http://schemas.microsoft.com/office/powerpoint/2010/main" val="1756281448"/>
       </p:ext>
     </p:extLst>
   </p:cSld>
@@ -2186,8 +2186,8 @@
         </p:nvSpPr>
         <p:spPr>
           <a:xfrm>
-            <a:off x="495890" y="407988"/>
-            <a:ext cx="2321966" cy="1427956"/>
+            <a:off x="495890" y="588010"/>
+            <a:ext cx="2321966" cy="2058035"/>
           </a:xfrm>
         </p:spPr>
         <p:txBody>
@@ -2218,8 +2218,8 @@
         </p:nvSpPr>
         <p:spPr>
           <a:xfrm>
-            <a:off x="3060646" y="881141"/>
-            <a:ext cx="3644652" cy="4349034"/>
+            <a:off x="3060646" y="1269940"/>
+            <a:ext cx="3644652" cy="6268023"/>
           </a:xfrm>
         </p:spPr>
         <p:txBody>
@@ -2283,8 +2283,8 @@
         </p:nvSpPr>
         <p:spPr>
           <a:xfrm>
-            <a:off x="495890" y="1835944"/>
-            <a:ext cx="2321966" cy="3401313"/>
+            <a:off x="495890" y="2646045"/>
+            <a:ext cx="2321966" cy="4902126"/>
           </a:xfrm>
         </p:spPr>
         <p:txBody>
@@ -2331,7 +2331,7 @@
             <a:pPr lvl="0"/>
             <a:r>
               <a:rPr lang="en-US"/>
-              <a:t>Edit Master text styles</a:t>
+              <a:t>Click to edit Master text styles</a:t>
             </a:r>
           </a:p>
         </p:txBody>
@@ -2353,7 +2353,7 @@
           <a:p>
             <a:fld id="{D4DB1356-5F01-43EB-828D-BA428F19442C}" type="datetimeFigureOut">
               <a:rPr lang="en-GB" smtClean="0"/>
-              <a:t>19/12/2018</a:t>
+              <a:t>12/06/2019</a:t>
             </a:fld>
             <a:endParaRPr lang="en-GB"/>
           </a:p>
@@ -2404,7 +2404,7 @@
     </p:spTree>
     <p:extLst>
       <p:ext uri="{BB962C8B-B14F-4D97-AF65-F5344CB8AC3E}">
-        <p14:creationId xmlns:p14="http://schemas.microsoft.com/office/powerpoint/2010/main" val="2303934222"/>
+        <p14:creationId xmlns:p14="http://schemas.microsoft.com/office/powerpoint/2010/main" val="642449769"/>
       </p:ext>
     </p:extLst>
   </p:cSld>
@@ -2448,8 +2448,8 @@
         </p:nvSpPr>
         <p:spPr>
           <a:xfrm>
-            <a:off x="494953" y="325825"/>
-            <a:ext cx="6209407" cy="1182881"/>
+            <a:off x="494953" y="469593"/>
+            <a:ext cx="6209407" cy="1704821"/>
           </a:xfrm>
           <a:prstGeom prst="rect">
             <a:avLst/>
@@ -2481,8 +2481,8 @@
         </p:nvSpPr>
         <p:spPr>
           <a:xfrm>
-            <a:off x="494953" y="1629117"/>
-            <a:ext cx="6209407" cy="3882965"/>
+            <a:off x="494953" y="2347957"/>
+            <a:ext cx="6209407" cy="5596304"/>
           </a:xfrm>
           <a:prstGeom prst="rect">
             <a:avLst/>
@@ -2497,7 +2497,7 @@
             <a:pPr lvl="0"/>
             <a:r>
               <a:rPr lang="en-US"/>
-              <a:t>Edit Master text styles</a:t>
+              <a:t>Click to edit Master text styles</a:t>
             </a:r>
           </a:p>
           <a:p>
@@ -2543,8 +2543,8 @@
         </p:nvSpPr>
         <p:spPr>
           <a:xfrm>
-            <a:off x="494953" y="5672162"/>
-            <a:ext cx="1619845" cy="325823"/>
+            <a:off x="494953" y="8174974"/>
+            <a:ext cx="1619845" cy="469591"/>
           </a:xfrm>
           <a:prstGeom prst="rect">
             <a:avLst/>
@@ -2566,7 +2566,7 @@
           <a:p>
             <a:fld id="{D4DB1356-5F01-43EB-828D-BA428F19442C}" type="datetimeFigureOut">
               <a:rPr lang="en-GB" smtClean="0"/>
-              <a:t>19/12/2018</a:t>
+              <a:t>12/06/2019</a:t>
             </a:fld>
             <a:endParaRPr lang="en-GB"/>
           </a:p>
@@ -2584,8 +2584,8 @@
         </p:nvSpPr>
         <p:spPr>
           <a:xfrm>
-            <a:off x="2384773" y="5672162"/>
-            <a:ext cx="2429768" cy="325823"/>
+            <a:off x="2384773" y="8174974"/>
+            <a:ext cx="2429768" cy="469591"/>
           </a:xfrm>
           <a:prstGeom prst="rect">
             <a:avLst/>
@@ -2621,8 +2621,8 @@
         </p:nvSpPr>
         <p:spPr>
           <a:xfrm>
-            <a:off x="5084515" y="5672162"/>
-            <a:ext cx="1619845" cy="325823"/>
+            <a:off x="5084515" y="8174974"/>
+            <a:ext cx="1619845" cy="469591"/>
           </a:xfrm>
           <a:prstGeom prst="rect">
             <a:avLst/>
@@ -2653,23 +2653,23 @@
     </p:spTree>
     <p:extLst>
       <p:ext uri="{BB962C8B-B14F-4D97-AF65-F5344CB8AC3E}">
-        <p14:creationId xmlns:p14="http://schemas.microsoft.com/office/powerpoint/2010/main" val="1156621406"/>
+        <p14:creationId xmlns:p14="http://schemas.microsoft.com/office/powerpoint/2010/main" val="3768767050"/>
       </p:ext>
     </p:extLst>
   </p:cSld>
   <p:clrMap bg1="lt1" tx1="dk1" bg2="lt2" tx2="dk2" accent1="accent1" accent2="accent2" accent3="accent3" accent4="accent4" accent5="accent5" accent6="accent6" hlink="hlink" folHlink="folHlink"/>
   <p:sldLayoutIdLst>
-    <p:sldLayoutId id="2147483709" r:id="rId1"/>
-    <p:sldLayoutId id="2147483710" r:id="rId2"/>
-    <p:sldLayoutId id="2147483711" r:id="rId3"/>
-    <p:sldLayoutId id="2147483712" r:id="rId4"/>
-    <p:sldLayoutId id="2147483713" r:id="rId5"/>
-    <p:sldLayoutId id="2147483714" r:id="rId6"/>
-    <p:sldLayoutId id="2147483715" r:id="rId7"/>
-    <p:sldLayoutId id="2147483716" r:id="rId8"/>
-    <p:sldLayoutId id="2147483717" r:id="rId9"/>
-    <p:sldLayoutId id="2147483718" r:id="rId10"/>
-    <p:sldLayoutId id="2147483719" r:id="rId11"/>
+    <p:sldLayoutId id="2147483745" r:id="rId1"/>
+    <p:sldLayoutId id="2147483746" r:id="rId2"/>
+    <p:sldLayoutId id="2147483747" r:id="rId3"/>
+    <p:sldLayoutId id="2147483748" r:id="rId4"/>
+    <p:sldLayoutId id="2147483749" r:id="rId5"/>
+    <p:sldLayoutId id="2147483750" r:id="rId6"/>
+    <p:sldLayoutId id="2147483751" r:id="rId7"/>
+    <p:sldLayoutId id="2147483752" r:id="rId8"/>
+    <p:sldLayoutId id="2147483753" r:id="rId9"/>
+    <p:sldLayoutId id="2147483754" r:id="rId10"/>
+    <p:sldLayoutId id="2147483755" r:id="rId11"/>
   </p:sldLayoutIdLst>
   <p:txStyles>
     <p:titleStyle>
@@ -2993,7 +2993,7 @@
         </p:blipFill>
         <p:spPr>
           <a:xfrm>
-            <a:off x="3087249" y="-15499"/>
+            <a:off x="3087249" y="39270"/>
             <a:ext cx="3987728" cy="5820384"/>
           </a:xfrm>
           <a:prstGeom prst="rect">
@@ -3015,7 +3015,7 @@
         </p:nvSpPr>
         <p:spPr>
           <a:xfrm>
-            <a:off x="2269052" y="2129151"/>
+            <a:off x="2269052" y="2183924"/>
             <a:ext cx="383438" cy="307777"/>
           </a:xfrm>
           <a:prstGeom prst="rect">
@@ -3053,7 +3053,7 @@
         </p:nvSpPr>
         <p:spPr>
           <a:xfrm>
-            <a:off x="1356370" y="5801144"/>
+            <a:off x="1356370" y="5855917"/>
             <a:ext cx="393056" cy="307777"/>
           </a:xfrm>
           <a:prstGeom prst="rect">
@@ -3091,7 +3091,7 @@
         </p:nvSpPr>
         <p:spPr>
           <a:xfrm>
-            <a:off x="4835021" y="5801144"/>
+            <a:off x="4835021" y="5855917"/>
             <a:ext cx="383438" cy="307777"/>
           </a:xfrm>
           <a:prstGeom prst="rect">
@@ -3136,7 +3136,7 @@
         </p:blipFill>
         <p:spPr>
           <a:xfrm>
-            <a:off x="123984" y="0"/>
+            <a:off x="123987" y="42069"/>
             <a:ext cx="2199925" cy="2585518"/>
           </a:xfrm>
           <a:prstGeom prst="rect">
@@ -3146,10 +3146,10 @@
       </p:pic>
       <p:pic>
         <p:nvPicPr>
-          <p:cNvPr id="6" name="Picture 5">
+          <p:cNvPr id="9" name="Picture 8">
             <a:extLst>
               <a:ext uri="{FF2B5EF4-FFF2-40B4-BE49-F238E27FC236}">
-                <a16:creationId xmlns:a16="http://schemas.microsoft.com/office/drawing/2014/main" id="{3FB20EEC-A85D-494F-B85A-8C698E47D9A8}"/>
+                <a16:creationId xmlns:a16="http://schemas.microsoft.com/office/drawing/2014/main" id="{511F1150-D3F7-49AC-8A3B-18CBB47B9625}"/>
               </a:ext>
             </a:extLst>
           </p:cNvPr>
@@ -3166,14 +3166,82 @@
         </p:blipFill>
         <p:spPr>
           <a:xfrm>
-            <a:off x="123984" y="2751094"/>
-            <a:ext cx="2833425" cy="3050050"/>
+            <a:off x="123987" y="2746835"/>
+            <a:ext cx="2711119" cy="3109081"/>
           </a:xfrm>
           <a:prstGeom prst="rect">
             <a:avLst/>
           </a:prstGeom>
         </p:spPr>
       </p:pic>
+      <p:pic>
+        <p:nvPicPr>
+          <p:cNvPr id="10" name="Picture 9">
+            <a:extLst>
+              <a:ext uri="{FF2B5EF4-FFF2-40B4-BE49-F238E27FC236}">
+                <a16:creationId xmlns:a16="http://schemas.microsoft.com/office/drawing/2014/main" id="{8BA013BD-E0EB-462E-9EE6-B35655FBFBEE}"/>
+              </a:ext>
+            </a:extLst>
+          </p:cNvPr>
+          <p:cNvPicPr>
+            <a:picLocks noChangeAspect="1"/>
+          </p:cNvPicPr>
+          <p:nvPr/>
+        </p:nvPicPr>
+        <p:blipFill>
+          <a:blip r:embed="rId5"/>
+          <a:stretch>
+            <a:fillRect/>
+          </a:stretch>
+        </p:blipFill>
+        <p:spPr>
+          <a:xfrm>
+            <a:off x="123986" y="6310701"/>
+            <a:ext cx="6950992" cy="2191074"/>
+          </a:xfrm>
+          <a:prstGeom prst="rect">
+            <a:avLst/>
+          </a:prstGeom>
+        </p:spPr>
+      </p:pic>
+      <p:sp>
+        <p:nvSpPr>
+          <p:cNvPr id="11" name="TextBox 10">
+            <a:extLst>
+              <a:ext uri="{FF2B5EF4-FFF2-40B4-BE49-F238E27FC236}">
+                <a16:creationId xmlns:a16="http://schemas.microsoft.com/office/drawing/2014/main" id="{713F966E-C72D-4156-87C0-A8931A2B41F0}"/>
+              </a:ext>
+            </a:extLst>
+          </p:cNvPr>
+          <p:cNvSpPr txBox="1"/>
+          <p:nvPr/>
+        </p:nvSpPr>
+        <p:spPr>
+          <a:xfrm>
+            <a:off x="3407763" y="8490292"/>
+            <a:ext cx="393056" cy="307777"/>
+          </a:xfrm>
+          <a:prstGeom prst="rect">
+            <a:avLst/>
+          </a:prstGeom>
+          <a:noFill/>
+        </p:spPr>
+        <p:txBody>
+          <a:bodyPr wrap="none" rtlCol="0">
+            <a:spAutoFit/>
+          </a:bodyPr>
+          <a:lstStyle/>
+          <a:p>
+            <a:r>
+              <a:rPr lang="en-GB" sz="1400" dirty="0">
+                <a:latin typeface="Times New Roman" panose="02020603050405020304" pitchFamily="18" charset="0"/>
+                <a:cs typeface="Times New Roman" panose="02020603050405020304" pitchFamily="18" charset="0"/>
+              </a:rPr>
+              <a:t>(d)</a:t>
+            </a:r>
+          </a:p>
+        </p:txBody>
+      </p:sp>
     </p:spTree>
     <p:extLst>
       <p:ext uri="{BB962C8B-B14F-4D97-AF65-F5344CB8AC3E}">
